--- a/노트북 관리 프로그램.pptx
+++ b/노트북 관리 프로그램.pptx
@@ -1,8 +1,8 @@
 
 <file path=ppt/presentation.xml><?xml version="1.0" encoding="utf-8"?>
-<p:presentation xmlns:a="http://schemas.openxmlformats.org/drawingml/2006/main" xmlns:r="http://schemas.openxmlformats.org/officeDocument/2006/relationships" xmlns:p="http://schemas.openxmlformats.org/presentationml/2006/main" saveSubsetFonts="1">
+<p:presentation xmlns:r="http://schemas.openxmlformats.org/officeDocument/2006/relationships" xmlns:c="http://schemas.openxmlformats.org/drawingml/2006/chart" xmlns:a="http://schemas.openxmlformats.org/drawingml/2006/main" xmlns:dgm="http://schemas.openxmlformats.org/drawingml/2006/diagram" xmlns:dsp="http://schemas.microsoft.com/office/drawing/2008/diagram" xmlns:p="http://schemas.openxmlformats.org/presentationml/2006/main">
   <p:sldMasterIdLst>
-    <p:sldMasterId id="2147483648" r:id="rId1"/>
+    <p:sldMasterId id="2147483677" r:id="rId1"/>
   </p:sldMasterIdLst>
   <p:sldIdLst>
     <p:sldId id="257" r:id="rId2"/>
@@ -149,11 +149,6 @@
       </a:defRPr>
     </a:lvl9pPr>
   </p:defaultTextStyle>
-  <p:extLst>
-    <p:ext uri="{EFAFB233-063F-42B5-8137-9DF3F51BA10A}">
-      <p15:sldGuideLst xmlns:p15="http://schemas.microsoft.com/office/powerpoint/2012/main"/>
-    </p:ext>
-  </p:extLst>
 </p:presentation>
 </file>
 
@@ -7739,7 +7734,7 @@
 </file>
 
 <file path=ppt/slides/slide21.xml><?xml version="1.0" encoding="utf-8"?>
-<p:sld xmlns:a="http://schemas.openxmlformats.org/drawingml/2006/main" xmlns:r="http://schemas.openxmlformats.org/officeDocument/2006/relationships" xmlns:p="http://schemas.openxmlformats.org/presentationml/2006/main">
+<p:sld xmlns:r="http://schemas.openxmlformats.org/officeDocument/2006/relationships" xmlns:c="http://schemas.openxmlformats.org/drawingml/2006/chart" xmlns:a="http://schemas.openxmlformats.org/drawingml/2006/main" xmlns:dgm="http://schemas.openxmlformats.org/drawingml/2006/diagram" xmlns:dsp="http://schemas.microsoft.com/office/drawing/2008/diagram" xmlns:p="http://schemas.openxmlformats.org/presentationml/2006/main">
   <p:cSld>
     <p:spTree>
       <p:nvGrpSpPr>
@@ -7757,26 +7752,14 @@
       </p:grpSpPr>
       <p:pic>
         <p:nvPicPr>
-          <p:cNvPr id="15" name="그림 14">
-            <a:extLst>
-              <a:ext uri="{FF2B5EF4-FFF2-40B4-BE49-F238E27FC236}">
-                <a16:creationId xmlns:a16="http://schemas.microsoft.com/office/drawing/2014/main" id="{6393031E-1BDA-39C1-560F-455F8A003E4C}"/>
-              </a:ext>
-            </a:extLst>
-          </p:cNvPr>
+          <p:cNvPr id="15" name="그림 14"/>
           <p:cNvPicPr>
             <a:picLocks noChangeAspect="1"/>
           </p:cNvPicPr>
           <p:nvPr/>
         </p:nvPicPr>
-        <p:blipFill>
-          <a:blip r:embed="rId2">
-            <a:extLst>
-              <a:ext uri="{28A0092B-C50C-407E-A947-70E740481C1C}">
-                <a14:useLocalDpi xmlns:a14="http://schemas.microsoft.com/office/drawing/2010/main" val="0"/>
-              </a:ext>
-            </a:extLst>
-          </a:blip>
+        <p:blipFill rotWithShape="1">
+          <a:blip r:embed="rId2"/>
           <a:stretch>
             <a:fillRect/>
           </a:stretch>
@@ -7798,16 +7781,8 @@
       </p:pic>
       <p:cxnSp>
         <p:nvCxnSpPr>
-          <p:cNvPr id="3" name="Straight Connector 8">
-            <a:extLst>
-              <a:ext uri="{FF2B5EF4-FFF2-40B4-BE49-F238E27FC236}">
-                <a16:creationId xmlns:a16="http://schemas.microsoft.com/office/drawing/2014/main" id="{68A37F9C-7930-4A83-AEE4-AF99D3A09DDF}"/>
-              </a:ext>
-            </a:extLst>
-          </p:cNvPr>
-          <p:cNvCxnSpPr>
-            <a:cxnSpLocks/>
-          </p:cNvCxnSpPr>
+          <p:cNvPr id="3" name="Straight Connector 8"/>
+          <p:cNvCxnSpPr/>
           <p:nvPr/>
         </p:nvCxnSpPr>
         <p:spPr>
@@ -7837,13 +7812,7 @@
       </p:cxnSp>
       <p:sp>
         <p:nvSpPr>
-          <p:cNvPr id="4" name="TextBox 3">
-            <a:extLst>
-              <a:ext uri="{FF2B5EF4-FFF2-40B4-BE49-F238E27FC236}">
-                <a16:creationId xmlns:a16="http://schemas.microsoft.com/office/drawing/2014/main" id="{AAC8E277-7EC8-48D0-B3DC-5A8887885686}"/>
-              </a:ext>
-            </a:extLst>
-          </p:cNvPr>
+          <p:cNvPr id="4" name="TextBox 3"/>
           <p:cNvSpPr txBox="1"/>
           <p:nvPr/>
         </p:nvSpPr>
@@ -7858,21 +7827,23 @@
           <a:noFill/>
         </p:spPr>
         <p:txBody>
-          <a:bodyPr wrap="square" rtlCol="0">
+          <a:bodyPr wrap="square">
             <a:spAutoFit/>
           </a:bodyPr>
           <a:lstStyle/>
           <a:p>
-            <a:pPr algn="ctr"/>
-            <a:r>
-              <a:rPr lang="en-US" altLang="ko-KR" sz="3200" b="1" dirty="0">
+            <a:pPr algn="ctr">
+              <a:defRPr/>
+            </a:pPr>
+            <a:r>
+              <a:rPr lang="en-US" altLang="ko-KR" sz="3200" b="1">
                 <a:solidFill>
                   <a:schemeClr val="bg1"/>
                 </a:solidFill>
               </a:rPr>
               <a:t>1</a:t>
             </a:r>
-            <a:endParaRPr lang="ko-KR" altLang="en-US" sz="3200" b="1" dirty="0">
+            <a:endParaRPr lang="ko-KR" altLang="en-US" sz="3200" b="1">
               <a:solidFill>
                 <a:schemeClr val="bg1"/>
               </a:solidFill>
@@ -7882,13 +7853,7 @@
       </p:sp>
       <p:sp>
         <p:nvSpPr>
-          <p:cNvPr id="5" name="직사각형 4">
-            <a:extLst>
-              <a:ext uri="{FF2B5EF4-FFF2-40B4-BE49-F238E27FC236}">
-                <a16:creationId xmlns:a16="http://schemas.microsoft.com/office/drawing/2014/main" id="{4F91F724-BB23-491A-B851-14FC69B37626}"/>
-              </a:ext>
-            </a:extLst>
-          </p:cNvPr>
+          <p:cNvPr id="5" name="직사각형 4"/>
           <p:cNvSpPr/>
           <p:nvPr/>
         </p:nvSpPr>
@@ -7924,7 +7889,7 @@
           </a:fontRef>
         </p:style>
         <p:txBody>
-          <a:bodyPr rot="0" spcFirstLastPara="0" vertOverflow="overflow" horzOverflow="overflow" vert="horz" wrap="square" lIns="91440" tIns="45720" rIns="91440" bIns="45720" numCol="1" spcCol="0" rtlCol="0" fromWordArt="0" anchor="ctr" anchorCtr="0" forceAA="0" compatLnSpc="1">
+          <a:bodyPr rot="0" vert="horz" wrap="square" lIns="91440" tIns="45720" rIns="91440" bIns="45720" anchor="ctr" anchorCtr="0">
             <a:prstTxWarp prst="textNoShape">
               <a:avLst/>
             </a:prstTxWarp>
@@ -7932,20 +7897,16 @@
           </a:bodyPr>
           <a:lstStyle/>
           <a:p>
-            <a:pPr algn="ctr"/>
+            <a:pPr algn="ctr">
+              <a:defRPr/>
+            </a:pPr>
             <a:endParaRPr lang="ko-KR" altLang="en-US"/>
           </a:p>
         </p:txBody>
       </p:sp>
       <p:sp>
         <p:nvSpPr>
-          <p:cNvPr id="6" name="TextBox 5">
-            <a:extLst>
-              <a:ext uri="{FF2B5EF4-FFF2-40B4-BE49-F238E27FC236}">
-                <a16:creationId xmlns:a16="http://schemas.microsoft.com/office/drawing/2014/main" id="{F90681B9-4336-4865-94BC-73A1AC3724AC}"/>
-              </a:ext>
-            </a:extLst>
-          </p:cNvPr>
+          <p:cNvPr id="6" name="TextBox 5"/>
           <p:cNvSpPr txBox="1"/>
           <p:nvPr/>
         </p:nvSpPr>
@@ -7960,21 +7921,23 @@
           <a:noFill/>
         </p:spPr>
         <p:txBody>
-          <a:bodyPr wrap="square" rtlCol="0">
+          <a:bodyPr wrap="square">
             <a:spAutoFit/>
           </a:bodyPr>
           <a:lstStyle/>
           <a:p>
-            <a:pPr algn="ctr"/>
-            <a:r>
-              <a:rPr lang="en-US" altLang="ko-KR" sz="3200" b="1" dirty="0">
+            <a:pPr algn="ctr">
+              <a:defRPr/>
+            </a:pPr>
+            <a:r>
+              <a:rPr lang="en-US" altLang="ko-KR" sz="3200" b="1">
                 <a:solidFill>
                   <a:schemeClr val="bg1"/>
                 </a:solidFill>
               </a:rPr>
               <a:t>5</a:t>
             </a:r>
-            <a:endParaRPr lang="ko-KR" altLang="en-US" sz="3200" b="1" dirty="0">
+            <a:endParaRPr lang="ko-KR" altLang="en-US" sz="3200" b="1">
               <a:solidFill>
                 <a:schemeClr val="bg1"/>
               </a:solidFill>
@@ -7984,13 +7947,7 @@
       </p:sp>
       <p:sp>
         <p:nvSpPr>
-          <p:cNvPr id="7" name="TextBox 6">
-            <a:extLst>
-              <a:ext uri="{FF2B5EF4-FFF2-40B4-BE49-F238E27FC236}">
-                <a16:creationId xmlns:a16="http://schemas.microsoft.com/office/drawing/2014/main" id="{A47BFD4E-9212-47DD-82EC-36F24D21C23B}"/>
-              </a:ext>
-            </a:extLst>
-          </p:cNvPr>
+          <p:cNvPr id="7" name="TextBox 6"/>
           <p:cNvSpPr txBox="1"/>
           <p:nvPr/>
         </p:nvSpPr>
@@ -8005,38 +7962,35 @@
           <a:noFill/>
         </p:spPr>
         <p:txBody>
-          <a:bodyPr wrap="square" rtlCol="0" anchor="ctr">
+          <a:bodyPr wrap="square" anchor="ctr">
             <a:spAutoFit/>
           </a:bodyPr>
           <a:lstStyle/>
           <a:p>
-            <a:r>
-              <a:rPr lang="ko-KR" altLang="en-US" sz="2600" b="1" dirty="0">
+            <a:pPr lvl="0">
+              <a:defRPr/>
+            </a:pPr>
+            <a:r>
+              <a:rPr lang="ko-KR" altLang="en-US" sz="2600" b="1">
                 <a:solidFill>
                   <a:schemeClr val="accent1"/>
                 </a:solidFill>
-                <a:latin typeface="Noto Sans CJK KR Medium" panose="020B0600000000000000" pitchFamily="34" charset="-127"/>
+                <a:latin typeface="Noto Sans CJK KR Medium"/>
               </a:rPr>
               <a:t>메뉴 구조도</a:t>
             </a:r>
-            <a:endParaRPr lang="en-US" altLang="ko-KR" sz="2600" b="1" dirty="0">
+            <a:endParaRPr lang="en-US" altLang="ko-KR" sz="2600" b="1">
               <a:solidFill>
                 <a:schemeClr val="accent1"/>
               </a:solidFill>
-              <a:latin typeface="Noto Sans CJK KR Medium" panose="020B0600000000000000" pitchFamily="34" charset="-127"/>
+              <a:latin typeface="Noto Sans CJK KR Medium"/>
             </a:endParaRPr>
           </a:p>
         </p:txBody>
       </p:sp>
       <p:sp>
         <p:nvSpPr>
-          <p:cNvPr id="2" name="원형: 비어 있음 1">
-            <a:extLst>
-              <a:ext uri="{FF2B5EF4-FFF2-40B4-BE49-F238E27FC236}">
-                <a16:creationId xmlns:a16="http://schemas.microsoft.com/office/drawing/2014/main" id="{740968C4-92A6-EDDF-2857-5401042D37A2}"/>
-              </a:ext>
-            </a:extLst>
-          </p:cNvPr>
+          <p:cNvPr id="2" name="원형: 비어 있음 1"/>
           <p:cNvSpPr/>
           <p:nvPr/>
         </p:nvSpPr>
@@ -8051,11 +8005,11 @@
             </a:avLst>
           </a:prstGeom>
           <a:solidFill>
-            <a:srgbClr val="FF0000"/>
+            <a:srgbClr val="ff0000"/>
           </a:solidFill>
           <a:ln w="38100">
             <a:solidFill>
-              <a:srgbClr val="FF0000"/>
+              <a:srgbClr val="ff0000"/>
             </a:solidFill>
           </a:ln>
         </p:spPr>
@@ -8076,10 +8030,12 @@
           </a:fontRef>
         </p:style>
         <p:txBody>
-          <a:bodyPr rtlCol="0" anchor="ctr"/>
-          <a:lstStyle/>
-          <a:p>
-            <a:pPr algn="ctr"/>
+          <a:bodyPr anchor="ctr"/>
+          <a:lstStyle/>
+          <a:p>
+            <a:pPr algn="ctr">
+              <a:defRPr/>
+            </a:pPr>
             <a:endParaRPr lang="ko-KR" altLang="en-US">
               <a:solidFill>
                 <a:schemeClr val="tx1"/>
@@ -8090,13 +8046,7 @@
       </p:sp>
       <p:sp>
         <p:nvSpPr>
-          <p:cNvPr id="16" name="사각형: 둥근 모서리 15">
-            <a:extLst>
-              <a:ext uri="{FF2B5EF4-FFF2-40B4-BE49-F238E27FC236}">
-                <a16:creationId xmlns:a16="http://schemas.microsoft.com/office/drawing/2014/main" id="{FE250D01-0E74-12D4-AC71-258BE6837FC0}"/>
-              </a:ext>
-            </a:extLst>
-          </p:cNvPr>
+          <p:cNvPr id="16" name="사각형: 둥근 모서리 15"/>
           <p:cNvSpPr/>
           <p:nvPr/>
         </p:nvSpPr>
@@ -8106,7 +8056,9 @@
             <a:ext cx="2213673" cy="492443"/>
           </a:xfrm>
           <a:prstGeom prst="roundRect">
-            <a:avLst/>
+            <a:avLst>
+              <a:gd name="adj" fmla="val 16667"/>
+            </a:avLst>
           </a:prstGeom>
         </p:spPr>
         <p:style>
@@ -8126,14 +8078,16 @@
           </a:fontRef>
         </p:style>
         <p:txBody>
-          <a:bodyPr rtlCol="0" anchor="ctr"/>
-          <a:lstStyle/>
-          <a:p>
-            <a:pPr algn="ctr"/>
-            <a:r>
-              <a:rPr lang="en-US" altLang="ko-KR" dirty="0">
+          <a:bodyPr anchor="ctr"/>
+          <a:lstStyle/>
+          <a:p>
+            <a:pPr algn="ctr">
+              <a:defRPr/>
+            </a:pPr>
+            <a:r>
+              <a:rPr lang="en-US" altLang="ko-KR">
                 <a:solidFill>
-                  <a:srgbClr val="FFC000"/>
+                  <a:srgbClr val="ffc000"/>
                 </a:solidFill>
                 <a:latin typeface="+mj-ea"/>
                 <a:ea typeface="+mj-ea"/>
@@ -8141,42 +8095,39 @@
               <a:t>ID </a:t>
             </a:r>
             <a:r>
-              <a:rPr lang="ko-KR" altLang="en-US" dirty="0">
+              <a:rPr lang="ko-KR" altLang="en-US">
                 <a:solidFill>
-                  <a:srgbClr val="FFC000"/>
+                  <a:srgbClr val="ffc000"/>
                 </a:solidFill>
                 <a:latin typeface="+mj-ea"/>
                 <a:ea typeface="+mj-ea"/>
               </a:rPr>
               <a:t>관리</a:t>
             </a:r>
+            <a:endParaRPr lang="ko-KR" altLang="en-US">
+              <a:solidFill>
+                <a:srgbClr val="ffc000"/>
+              </a:solidFill>
+              <a:latin typeface="+mj-ea"/>
+              <a:ea typeface="+mj-ea"/>
+            </a:endParaRPr>
           </a:p>
         </p:txBody>
       </p:sp>
       <p:pic>
         <p:nvPicPr>
-          <p:cNvPr id="10" name="그림 9">
-            <a:extLst>
-              <a:ext uri="{FF2B5EF4-FFF2-40B4-BE49-F238E27FC236}">
-                <a16:creationId xmlns:a16="http://schemas.microsoft.com/office/drawing/2014/main" id="{3E9B9AD1-37A7-88B3-B994-62731F47A1EF}"/>
-              </a:ext>
-            </a:extLst>
-          </p:cNvPr>
+          <p:cNvPr id="10" name="그림 9"/>
           <p:cNvPicPr>
             <a:picLocks noChangeAspect="1"/>
           </p:cNvPicPr>
           <p:nvPr/>
         </p:nvPicPr>
-        <p:blipFill>
-          <a:blip r:embed="rId3">
-            <a:extLst>
-              <a:ext uri="{28A0092B-C50C-407E-A947-70E740481C1C}">
-                <a14:useLocalDpi xmlns:a14="http://schemas.microsoft.com/office/drawing/2010/main" val="0"/>
-              </a:ext>
-            </a:extLst>
-          </a:blip>
+        <p:blipFill rotWithShape="1">
+          <a:blip r:embed="rId3"/>
           <a:srcRect/>
-          <a:stretch/>
+          <a:stretch>
+            <a:fillRect/>
+          </a:stretch>
         </p:blipFill>
         <p:spPr>
           <a:xfrm>
@@ -8195,15 +8146,8 @@
       </p:pic>
       <p:cxnSp>
         <p:nvCxnSpPr>
-          <p:cNvPr id="9" name="직선 화살표 연결선 8">
-            <a:extLst>
-              <a:ext uri="{FF2B5EF4-FFF2-40B4-BE49-F238E27FC236}">
-                <a16:creationId xmlns:a16="http://schemas.microsoft.com/office/drawing/2014/main" id="{8D65B3CA-EDAC-F517-AA0C-2831E7AC2E97}"/>
-              </a:ext>
-            </a:extLst>
-          </p:cNvPr>
+          <p:cNvPr id="9" name="직선 화살표 연결선 8"/>
           <p:cNvCxnSpPr>
-            <a:cxnSpLocks/>
             <a:stCxn id="2" idx="6"/>
           </p:cNvCxnSpPr>
           <p:nvPr/>
@@ -8218,7 +8162,7 @@
           </a:prstGeom>
           <a:ln w="76200">
             <a:solidFill>
-              <a:srgbClr val="FF0000"/>
+              <a:srgbClr val="ff0000"/>
             </a:solidFill>
             <a:tailEnd type="triangle"/>
           </a:ln>
@@ -8240,13 +8184,7 @@
       </p:cxnSp>
       <p:sp>
         <p:nvSpPr>
-          <p:cNvPr id="14" name="사각형: 둥근 모서리 13">
-            <a:extLst>
-              <a:ext uri="{FF2B5EF4-FFF2-40B4-BE49-F238E27FC236}">
-                <a16:creationId xmlns:a16="http://schemas.microsoft.com/office/drawing/2014/main" id="{3A015AA8-997B-522A-6635-372ABF9020B0}"/>
-              </a:ext>
-            </a:extLst>
-          </p:cNvPr>
+          <p:cNvPr id="14" name="사각형: 둥근 모서리 13"/>
           <p:cNvSpPr/>
           <p:nvPr/>
         </p:nvSpPr>
@@ -8256,7 +8194,9 @@
             <a:ext cx="1575358" cy="492443"/>
           </a:xfrm>
           <a:prstGeom prst="roundRect">
-            <a:avLst/>
+            <a:avLst>
+              <a:gd name="adj" fmla="val 16667"/>
+            </a:avLst>
           </a:prstGeom>
         </p:spPr>
         <p:style>
@@ -8276,14 +8216,16 @@
           </a:fontRef>
         </p:style>
         <p:txBody>
-          <a:bodyPr rtlCol="0" anchor="ctr"/>
-          <a:lstStyle/>
-          <a:p>
-            <a:pPr algn="ctr"/>
-            <a:r>
-              <a:rPr lang="en-US" altLang="ko-KR" dirty="0">
+          <a:bodyPr anchor="ctr"/>
+          <a:lstStyle/>
+          <a:p>
+            <a:pPr algn="ctr">
+              <a:defRPr/>
+            </a:pPr>
+            <a:r>
+              <a:rPr lang="en-US" altLang="ko-KR">
                 <a:solidFill>
-                  <a:srgbClr val="FFC000"/>
+                  <a:srgbClr val="ffc000"/>
                 </a:solidFill>
                 <a:latin typeface="+mj-ea"/>
                 <a:ea typeface="+mj-ea"/>
@@ -8291,28 +8233,38 @@
               <a:t>ID </a:t>
             </a:r>
             <a:r>
-              <a:rPr lang="ko-KR" altLang="en-US" dirty="0">
+              <a:rPr lang="ko-KR" altLang="en-US">
                 <a:solidFill>
-                  <a:srgbClr val="FFC000"/>
+                  <a:srgbClr val="ffc000"/>
                 </a:solidFill>
                 <a:latin typeface="+mj-ea"/>
                 <a:ea typeface="+mj-ea"/>
               </a:rPr>
-              <a:t>수정</a:t>
-            </a:r>
+              <a:t>정보</a:t>
+            </a:r>
+            <a:endParaRPr lang="ko-KR" altLang="en-US">
+              <a:solidFill>
+                <a:srgbClr val="ffc000"/>
+              </a:solidFill>
+              <a:latin typeface="+mj-ea"/>
+              <a:ea typeface="+mj-ea"/>
+            </a:endParaRPr>
           </a:p>
         </p:txBody>
       </p:sp>
     </p:spTree>
-    <p:extLst>
-      <p:ext uri="{BB962C8B-B14F-4D97-AF65-F5344CB8AC3E}">
-        <p14:creationId xmlns:p14="http://schemas.microsoft.com/office/powerpoint/2010/main" val="542974276"/>
-      </p:ext>
-    </p:extLst>
   </p:cSld>
   <p:clrMapOvr>
     <a:masterClrMapping/>
   </p:clrMapOvr>
+  <mc:AlternateContent xmlns:mc="http://schemas.openxmlformats.org/markup-compatibility/2006">
+    <mc:Choice xmlns:p14="http://schemas.microsoft.com/office/powerpoint/2010/main" Requires="p14">
+      <p:transition xmlns:mc="http://schemas.openxmlformats.org/markup-compatibility/2006" xmlns:p14="http://schemas.microsoft.com/office/powerpoint/2010/main" mc:Ignorable="p14" p14:dur="500"/>
+    </mc:Choice>
+    <mc:Fallback>
+      <p:transition/>
+    </mc:Fallback>
+  </mc:AlternateContent>
 </p:sld>
 </file>
 
@@ -25197,29 +25149,29 @@
 </file>
 
 <file path=ppt/theme/theme1.xml><?xml version="1.0" encoding="utf-8"?>
-<a:theme xmlns:a="http://schemas.openxmlformats.org/drawingml/2006/main" name="Office Theme">
+<a:theme xmlns:r="http://schemas.openxmlformats.org/officeDocument/2006/relationships" xmlns:c="http://schemas.openxmlformats.org/drawingml/2006/chart" xmlns:dgm="http://schemas.openxmlformats.org/drawingml/2006/diagram" xmlns:dsp="http://schemas.microsoft.com/office/drawing/2008/diagram" xmlns:a="http://schemas.openxmlformats.org/drawingml/2006/main" xmlns:pic="http://schemas.openxmlformats.org/drawingml/2006/picture" xmlns:wp="http://schemas.openxmlformats.org/drawingml/2006/wordprocessingDrawing" xmlns:xdr="http://schemas.openxmlformats.org/drawingml/2006/spreadsheetDrawing" xmlns:lc="http://schemas.openxmlformats.org/drawingml/2006/lockedCanvas" xmlns:p="http://schemas.openxmlformats.org/presentationml/2006/main" name="Office Theme">
   <a:themeElements>
     <a:clrScheme name="Yooga 2">
       <a:dk1>
-        <a:srgbClr val="2C2C2C"/>
+        <a:srgbClr val="2c2c2c"/>
       </a:dk1>
       <a:lt1>
-        <a:sysClr val="window" lastClr="FFFFFF"/>
+        <a:sysClr val="window" lastClr="ffffff"/>
       </a:lt1>
       <a:dk2>
-        <a:srgbClr val="3A3A3A"/>
+        <a:srgbClr val="3a3a3a"/>
       </a:dk2>
       <a:lt2>
-        <a:srgbClr val="E7E6E6"/>
+        <a:srgbClr val="e7e6e6"/>
       </a:lt2>
       <a:accent1>
-        <a:srgbClr val="AFD9FF"/>
+        <a:srgbClr val="afd9ff"/>
       </a:accent1>
       <a:accent2>
-        <a:srgbClr val="2C2C2C"/>
+        <a:srgbClr val="2c2c2c"/>
       </a:accent2>
       <a:accent3>
-        <a:srgbClr val="3A3A3A"/>
+        <a:srgbClr val="3a3a3a"/>
       </a:accent3>
       <a:accent4>
         <a:srgbClr val="454545"/>
@@ -25228,13 +25180,13 @@
         <a:srgbClr val="565656"/>
       </a:accent5>
       <a:accent6>
-        <a:srgbClr val="FFFFFF"/>
+        <a:srgbClr val="ffffff"/>
       </a:accent6>
       <a:hlink>
-        <a:srgbClr val="FFFFFF"/>
+        <a:srgbClr val="ffffff"/>
       </a:hlink>
       <a:folHlink>
-        <a:srgbClr val="FFFFFF"/>
+        <a:srgbClr val="ffffff"/>
       </a:folHlink>
     </a:clrScheme>
     <a:fontScheme name="Office">
@@ -25242,7 +25194,7 @@
         <a:latin typeface="Calibri Light" panose="020F0302020204030204"/>
         <a:ea typeface=""/>
         <a:cs typeface=""/>
-        <a:font script="Jpan" typeface="游ゴシック Light"/>
+        <a:font script="Jpan" typeface="Yu Gothic Light"/>
         <a:font script="Hang" typeface="맑은 고딕"/>
         <a:font script="Hans" typeface="等线 Light"/>
         <a:font script="Hant" typeface="新細明體"/>
@@ -25294,7 +25246,7 @@
         <a:latin typeface="Calibri" panose="020F0502020204030204"/>
         <a:ea typeface=""/>
         <a:cs typeface=""/>
-        <a:font script="Jpan" typeface="游ゴシック"/>
+        <a:font script="Jpan" typeface="Yu Gothic"/>
         <a:font script="Hang" typeface="맑은 고딕"/>
         <a:font script="Hans" typeface="等线"/>
         <a:font script="Hant" typeface="新細明體"/>
@@ -25407,21 +25359,21 @@
             <a:schemeClr val="phClr"/>
           </a:solidFill>
           <a:prstDash val="solid"/>
-          <a:miter lim="800000"/>
+          <a:miter/>
         </a:ln>
         <a:ln w="12700" cap="flat" cmpd="sng" algn="ctr">
           <a:solidFill>
             <a:schemeClr val="phClr"/>
           </a:solidFill>
           <a:prstDash val="solid"/>
-          <a:miter lim="800000"/>
+          <a:miter/>
         </a:ln>
         <a:ln w="19050" cap="flat" cmpd="sng" algn="ctr">
           <a:solidFill>
             <a:schemeClr val="phClr"/>
           </a:solidFill>
           <a:prstDash val="solid"/>
-          <a:miter lim="800000"/>
+          <a:miter/>
         </a:ln>
       </a:lnStyleLst>
       <a:effectStyleLst>
@@ -25481,12 +25433,5 @@
       </a:bgFillStyleLst>
     </a:fmtScheme>
   </a:themeElements>
-  <a:objectDefaults/>
-  <a:extraClrSchemeLst/>
-  <a:extLst>
-    <a:ext uri="{05A4C25C-085E-4340-85A3-A5531E510DB2}">
-      <thm15:themeFamily xmlns:thm15="http://schemas.microsoft.com/office/thememl/2012/main" name="Office Theme" id="{62F939B6-93AF-4DB8-9C6B-D6C7DFDC589F}" vid="{4A3C46E8-61CC-4603-A589-7422A47A8E4A}"/>
-    </a:ext>
-  </a:extLst>
 </a:theme>
 </file>
--- a/노트북 관리 프로그램.pptx
+++ b/노트북 관리 프로그램.pptx
@@ -2,7 +2,7 @@
 <file path=ppt/presentation.xml><?xml version="1.0" encoding="utf-8"?>
 <p:presentation xmlns:r="http://schemas.openxmlformats.org/officeDocument/2006/relationships" xmlns:c="http://schemas.openxmlformats.org/drawingml/2006/chart" xmlns:a="http://schemas.openxmlformats.org/drawingml/2006/main" xmlns:dgm="http://schemas.openxmlformats.org/drawingml/2006/diagram" xmlns:dsp="http://schemas.microsoft.com/office/drawing/2008/diagram" xmlns:p="http://schemas.openxmlformats.org/presentationml/2006/main">
   <p:sldMasterIdLst>
-    <p:sldMasterId id="2147483677" r:id="rId1"/>
+    <p:sldMasterId id="2147483678" r:id="rId1"/>
   </p:sldMasterIdLst>
   <p:sldIdLst>
     <p:sldId id="257" r:id="rId2"/>
@@ -12361,7 +12361,7 @@
 </file>
 
 <file path=ppt/slides/slide3.xml><?xml version="1.0" encoding="utf-8"?>
-<p:sld xmlns:a="http://schemas.openxmlformats.org/drawingml/2006/main" xmlns:r="http://schemas.openxmlformats.org/officeDocument/2006/relationships" xmlns:p="http://schemas.openxmlformats.org/presentationml/2006/main">
+<p:sld xmlns:r="http://schemas.openxmlformats.org/officeDocument/2006/relationships" xmlns:c="http://schemas.openxmlformats.org/drawingml/2006/chart" xmlns:a="http://schemas.openxmlformats.org/drawingml/2006/main" xmlns:dgm="http://schemas.openxmlformats.org/drawingml/2006/diagram" xmlns:dsp="http://schemas.microsoft.com/office/drawing/2008/diagram" xmlns:p="http://schemas.openxmlformats.org/presentationml/2006/main">
   <p:cSld>
     <p:spTree>
       <p:nvGrpSpPr>
@@ -12379,13 +12379,7 @@
       </p:grpSpPr>
       <p:sp>
         <p:nvSpPr>
-          <p:cNvPr id="6" name="TextBox 5">
-            <a:extLst>
-              <a:ext uri="{FF2B5EF4-FFF2-40B4-BE49-F238E27FC236}">
-                <a16:creationId xmlns:a16="http://schemas.microsoft.com/office/drawing/2014/main" id="{3E83F268-7A20-40BB-8487-8C71097A1D1B}"/>
-              </a:ext>
-            </a:extLst>
-          </p:cNvPr>
+          <p:cNvPr id="6" name="TextBox 5"/>
           <p:cNvSpPr txBox="1"/>
           <p:nvPr/>
         </p:nvSpPr>
@@ -12400,42 +12394,36 @@
           <a:noFill/>
         </p:spPr>
         <p:txBody>
-          <a:bodyPr wrap="square" rtlCol="0" anchor="ctr">
+          <a:bodyPr wrap="square" anchor="ctr">
             <a:spAutoFit/>
           </a:bodyPr>
           <a:lstStyle/>
           <a:p>
-            <a:pPr algn="ctr"/>
-            <a:r>
-              <a:rPr lang="ko-KR" altLang="en-US" sz="2600" b="1" dirty="0">
+            <a:pPr algn="ctr">
+              <a:defRPr/>
+            </a:pPr>
+            <a:r>
+              <a:rPr lang="ko-KR" altLang="en-US" sz="2600" b="1">
                 <a:solidFill>
                   <a:schemeClr val="accent1"/>
                 </a:solidFill>
-                <a:latin typeface="Noto Sans CJK KR Medium" panose="020B0600000000000000" pitchFamily="34" charset="-127"/>
+                <a:latin typeface="Noto Sans CJK KR Medium"/>
               </a:rPr>
               <a:t>          프로젝트 소개</a:t>
             </a:r>
-            <a:endParaRPr lang="en-US" sz="2600" b="1" dirty="0">
+            <a:endParaRPr lang="en-US" sz="2600" b="1">
               <a:solidFill>
                 <a:schemeClr val="accent1"/>
               </a:solidFill>
-              <a:latin typeface="Noto Sans CJK KR Medium" panose="020B0600000000000000" pitchFamily="34" charset="-127"/>
+              <a:latin typeface="Noto Sans CJK KR Medium"/>
             </a:endParaRPr>
           </a:p>
         </p:txBody>
       </p:sp>
       <p:cxnSp>
         <p:nvCxnSpPr>
-          <p:cNvPr id="24" name="Straight Connector 8">
-            <a:extLst>
-              <a:ext uri="{FF2B5EF4-FFF2-40B4-BE49-F238E27FC236}">
-                <a16:creationId xmlns:a16="http://schemas.microsoft.com/office/drawing/2014/main" id="{32B560FA-1836-4C97-A106-4E1344A45341}"/>
-              </a:ext>
-            </a:extLst>
-          </p:cNvPr>
-          <p:cNvCxnSpPr>
-            <a:cxnSpLocks/>
-          </p:cNvCxnSpPr>
+          <p:cNvPr id="24" name="Straight Connector 8"/>
+          <p:cNvCxnSpPr/>
           <p:nvPr/>
         </p:nvCxnSpPr>
         <p:spPr>
@@ -12465,13 +12453,7 @@
       </p:cxnSp>
       <p:sp>
         <p:nvSpPr>
-          <p:cNvPr id="29" name="TextBox 28">
-            <a:extLst>
-              <a:ext uri="{FF2B5EF4-FFF2-40B4-BE49-F238E27FC236}">
-                <a16:creationId xmlns:a16="http://schemas.microsoft.com/office/drawing/2014/main" id="{C2146028-A0CF-4D40-B3CE-CEE7869F53D9}"/>
-              </a:ext>
-            </a:extLst>
-          </p:cNvPr>
+          <p:cNvPr id="29" name="TextBox 28"/>
           <p:cNvSpPr txBox="1"/>
           <p:nvPr/>
         </p:nvSpPr>
@@ -12486,14 +12468,16 @@
           <a:noFill/>
         </p:spPr>
         <p:txBody>
-          <a:bodyPr wrap="square" rtlCol="0">
+          <a:bodyPr wrap="square">
             <a:spAutoFit/>
           </a:bodyPr>
           <a:lstStyle/>
           <a:p>
-            <a:pPr algn="r"/>
-            <a:r>
-              <a:rPr lang="en-US" altLang="ko-KR" sz="800" dirty="0">
+            <a:pPr algn="r">
+              <a:defRPr/>
+            </a:pPr>
+            <a:r>
+              <a:rPr lang="en-US" altLang="ko-KR" sz="800">
                 <a:solidFill>
                   <a:schemeClr val="accent6"/>
                 </a:solidFill>
@@ -12501,7 +12485,7 @@
               </a:rPr>
               <a:t>Copyrightⓒ. Saebyeol Yu. All Rights Reserved.</a:t>
             </a:r>
-            <a:endParaRPr lang="ko-KR" altLang="en-US" sz="800" dirty="0">
+            <a:endParaRPr lang="ko-KR" altLang="en-US" sz="800">
               <a:solidFill>
                 <a:schemeClr val="accent6"/>
               </a:solidFill>
@@ -12512,13 +12496,7 @@
       </p:sp>
       <p:sp>
         <p:nvSpPr>
-          <p:cNvPr id="30" name="TextBox 29">
-            <a:extLst>
-              <a:ext uri="{FF2B5EF4-FFF2-40B4-BE49-F238E27FC236}">
-                <a16:creationId xmlns:a16="http://schemas.microsoft.com/office/drawing/2014/main" id="{7B07862D-28FC-416F-B72F-8195725629D1}"/>
-              </a:ext>
-            </a:extLst>
-          </p:cNvPr>
+          <p:cNvPr id="30" name="TextBox 29"/>
           <p:cNvSpPr txBox="1"/>
           <p:nvPr/>
         </p:nvSpPr>
@@ -12533,14 +12511,17 @@
           <a:noFill/>
         </p:spPr>
         <p:txBody>
-          <a:bodyPr wrap="none" rtlCol="0">
+          <a:bodyPr wrap="none">
             <a:spAutoFit/>
           </a:bodyPr>
           <a:lstStyle/>
           <a:p>
-            <a:endParaRPr lang="ko-KR" altLang="en-US" dirty="0">
+            <a:pPr lvl="0">
+              <a:defRPr/>
+            </a:pPr>
+            <a:endParaRPr lang="ko-KR" altLang="en-US">
               <a:solidFill>
-                <a:srgbClr val="0070C0"/>
+                <a:srgbClr val="0070c0"/>
               </a:solidFill>
             </a:endParaRPr>
           </a:p>
@@ -12548,20 +12529,14 @@
       </p:sp>
       <p:sp>
         <p:nvSpPr>
-          <p:cNvPr id="31" name="TextBox 30">
-            <a:extLst>
-              <a:ext uri="{FF2B5EF4-FFF2-40B4-BE49-F238E27FC236}">
-                <a16:creationId xmlns:a16="http://schemas.microsoft.com/office/drawing/2014/main" id="{C924DA37-715B-4665-B8CB-0213FE354879}"/>
-              </a:ext>
-            </a:extLst>
-          </p:cNvPr>
+          <p:cNvPr id="31" name="TextBox 30"/>
           <p:cNvSpPr txBox="1"/>
           <p:nvPr/>
         </p:nvSpPr>
         <p:spPr>
           <a:xfrm>
-            <a:off x="1255669" y="4868459"/>
-            <a:ext cx="8930650" cy="1631216"/>
+            <a:off x="2030369" y="4957358"/>
+            <a:ext cx="8875121" cy="1606635"/>
           </a:xfrm>
           <a:prstGeom prst="rect">
             <a:avLst/>
@@ -12569,132 +12544,87 @@
           <a:noFill/>
         </p:spPr>
         <p:txBody>
-          <a:bodyPr wrap="none" rtlCol="0">
+          <a:bodyPr wrap="square">
             <a:spAutoFit/>
           </a:bodyPr>
           <a:lstStyle/>
           <a:p>
-            <a:r>
-              <a:rPr lang="ko-KR" altLang="en-US" sz="2000" dirty="0">
-                <a:effectLst>
-                  <a:outerShdw blurRad="38100" dist="38100" dir="2700000" algn="tl">
-                    <a:srgbClr val="000000">
-                      <a:alpha val="43137"/>
-                    </a:srgbClr>
-                  </a:outerShdw>
-                </a:effectLst>
+            <a:pPr lvl="0">
+              <a:defRPr/>
+            </a:pPr>
+            <a:r>
+              <a:rPr xmlns:mc="http://schemas.openxmlformats.org/markup-compatibility/2006" xmlns:hp="http://schemas.haansoft.com/office/presentation/8.0" lang="ko-KR" altLang="en-US" sz="2000" b="1" mc:Ignorable="hp" hp:hslEmbossed="0">
+                <a:effectLst/>
                 <a:latin typeface="+mn-ea"/>
               </a:rPr>
               <a:t>학과사무실에서 노트북 대여가 잦음</a:t>
             </a:r>
-            <a:endParaRPr lang="en-US" altLang="ko-KR" sz="2000" dirty="0">
-              <a:effectLst>
-                <a:outerShdw blurRad="38100" dist="38100" dir="2700000" algn="tl">
-                  <a:srgbClr val="000000">
-                    <a:alpha val="43137"/>
-                  </a:srgbClr>
-                </a:outerShdw>
-              </a:effectLst>
+            <a:endParaRPr xmlns:mc="http://schemas.openxmlformats.org/markup-compatibility/2006" xmlns:hp="http://schemas.haansoft.com/office/presentation/8.0" lang="ko-KR" altLang="en-US" sz="2000" b="1" mc:Ignorable="hp" hp:hslEmbossed="0">
+              <a:effectLst/>
               <a:latin typeface="+mn-ea"/>
             </a:endParaRPr>
           </a:p>
           <a:p>
-            <a:endParaRPr lang="en-US" altLang="ko-KR" sz="2000" dirty="0">
-              <a:effectLst>
-                <a:outerShdw blurRad="38100" dist="38100" dir="2700000" algn="tl">
-                  <a:srgbClr val="000000">
-                    <a:alpha val="43137"/>
-                  </a:srgbClr>
-                </a:outerShdw>
-              </a:effectLst>
+            <a:pPr lvl="0">
+              <a:defRPr/>
+            </a:pPr>
+            <a:endParaRPr xmlns:mc="http://schemas.openxmlformats.org/markup-compatibility/2006" xmlns:hp="http://schemas.haansoft.com/office/presentation/8.0" lang="en-US" altLang="ko-KR" sz="2000" b="1" mc:Ignorable="hp" hp:hslEmbossed="0">
+              <a:effectLst/>
               <a:latin typeface="+mn-ea"/>
             </a:endParaRPr>
           </a:p>
           <a:p>
-            <a:r>
-              <a:rPr lang="ko-KR" altLang="en-US" sz="2000" dirty="0">
-                <a:effectLst>
-                  <a:outerShdw blurRad="38100" dist="38100" dir="2700000" algn="tl">
-                    <a:srgbClr val="000000">
-                      <a:alpha val="43137"/>
-                    </a:srgbClr>
-                  </a:outerShdw>
-                </a:effectLst>
+            <a:pPr lvl="0">
+              <a:defRPr/>
+            </a:pPr>
+            <a:r>
+              <a:rPr xmlns:mc="http://schemas.openxmlformats.org/markup-compatibility/2006" xmlns:hp="http://schemas.haansoft.com/office/presentation/8.0" lang="ko-KR" altLang="en-US" sz="2000" b="1" mc:Ignorable="hp" hp:hslEmbossed="0">
+                <a:effectLst/>
                 <a:latin typeface="+mn-ea"/>
               </a:rPr>
               <a:t>대여하는 학생들과 학과사무실에서 근무하는 조교에게 편리함을 제공하고자</a:t>
             </a:r>
-            <a:endParaRPr lang="en-US" altLang="ko-KR" sz="2000" dirty="0">
-              <a:effectLst>
-                <a:outerShdw blurRad="38100" dist="38100" dir="2700000" algn="tl">
-                  <a:srgbClr val="000000">
-                    <a:alpha val="43137"/>
-                  </a:srgbClr>
-                </a:outerShdw>
-              </a:effectLst>
+            <a:endParaRPr xmlns:mc="http://schemas.openxmlformats.org/markup-compatibility/2006" xmlns:hp="http://schemas.haansoft.com/office/presentation/8.0" lang="ko-KR" altLang="en-US" sz="2000" b="1" mc:Ignorable="hp" hp:hslEmbossed="0">
+              <a:effectLst/>
               <a:latin typeface="+mn-ea"/>
             </a:endParaRPr>
           </a:p>
           <a:p>
-            <a:endParaRPr lang="en-US" altLang="ko-KR" sz="2000" dirty="0">
-              <a:effectLst>
-                <a:outerShdw blurRad="38100" dist="38100" dir="2700000" algn="tl">
-                  <a:srgbClr val="000000">
-                    <a:alpha val="43137"/>
-                  </a:srgbClr>
-                </a:outerShdw>
-              </a:effectLst>
+            <a:pPr lvl="0">
+              <a:defRPr/>
+            </a:pPr>
+            <a:endParaRPr xmlns:mc="http://schemas.openxmlformats.org/markup-compatibility/2006" xmlns:hp="http://schemas.haansoft.com/office/presentation/8.0" lang="en-US" altLang="ko-KR" sz="2000" b="1" mc:Ignorable="hp" hp:hslEmbossed="0">
+              <a:effectLst/>
               <a:latin typeface="+mn-ea"/>
             </a:endParaRPr>
           </a:p>
           <a:p>
-            <a:r>
-              <a:rPr lang="ko-KR" altLang="en-US" sz="2000" dirty="0">
-                <a:effectLst>
-                  <a:outerShdw blurRad="38100" dist="38100" dir="2700000" algn="tl">
-                    <a:srgbClr val="000000">
-                      <a:alpha val="43137"/>
-                    </a:srgbClr>
-                  </a:outerShdw>
-                </a:effectLst>
+            <a:pPr lvl="0">
+              <a:defRPr/>
+            </a:pPr>
+            <a:r>
+              <a:rPr xmlns:mc="http://schemas.openxmlformats.org/markup-compatibility/2006" xmlns:hp="http://schemas.haansoft.com/office/presentation/8.0" lang="ko-KR" altLang="en-US" sz="2000" b="1" mc:Ignorable="hp" hp:hslEmbossed="0">
+                <a:effectLst/>
                 <a:latin typeface="+mn-ea"/>
               </a:rPr>
               <a:t>방학동안 공부한 </a:t>
             </a:r>
             <a:r>
-              <a:rPr lang="en-US" altLang="ko-KR" sz="2000" dirty="0">
-                <a:effectLst>
-                  <a:outerShdw blurRad="38100" dist="38100" dir="2700000" algn="tl">
-                    <a:srgbClr val="000000">
-                      <a:alpha val="43137"/>
-                    </a:srgbClr>
-                  </a:outerShdw>
-                </a:effectLst>
+              <a:rPr xmlns:mc="http://schemas.openxmlformats.org/markup-compatibility/2006" xmlns:hp="http://schemas.haansoft.com/office/presentation/8.0" lang="en-US" altLang="ko-KR" sz="2000" b="1" mc:Ignorable="hp" hp:hslEmbossed="0">
+                <a:effectLst/>
                 <a:latin typeface="+mn-ea"/>
               </a:rPr>
               <a:t>C#</a:t>
             </a:r>
             <a:r>
-              <a:rPr lang="ko-KR" altLang="en-US" sz="2000" dirty="0">
-                <a:effectLst>
-                  <a:outerShdw blurRad="38100" dist="38100" dir="2700000" algn="tl">
-                    <a:srgbClr val="000000">
-                      <a:alpha val="43137"/>
-                    </a:srgbClr>
-                  </a:outerShdw>
-                </a:effectLst>
+              <a:rPr xmlns:mc="http://schemas.openxmlformats.org/markup-compatibility/2006" xmlns:hp="http://schemas.haansoft.com/office/presentation/8.0" lang="ko-KR" altLang="en-US" sz="2000" b="1" mc:Ignorable="hp" hp:hslEmbossed="0">
+                <a:effectLst/>
                 <a:latin typeface="+mn-ea"/>
               </a:rPr>
               <a:t>을 통해 개발하게 됨 </a:t>
             </a:r>
-            <a:endParaRPr lang="en-US" altLang="ko-KR" sz="2000" dirty="0">
-              <a:effectLst>
-                <a:outerShdw blurRad="38100" dist="38100" dir="2700000" algn="tl">
-                  <a:srgbClr val="000000">
-                    <a:alpha val="43137"/>
-                  </a:srgbClr>
-                </a:outerShdw>
-              </a:effectLst>
+            <a:endParaRPr xmlns:mc="http://schemas.openxmlformats.org/markup-compatibility/2006" xmlns:hp="http://schemas.haansoft.com/office/presentation/8.0" lang="en-US" altLang="ko-KR" sz="2000" b="1" mc:Ignorable="hp" hp:hslEmbossed="0">
+              <a:effectLst/>
               <a:latin typeface="+mn-ea"/>
             </a:endParaRPr>
           </a:p>
@@ -12702,13 +12632,7 @@
       </p:sp>
       <p:sp>
         <p:nvSpPr>
-          <p:cNvPr id="35" name="TextBox 34">
-            <a:extLst>
-              <a:ext uri="{FF2B5EF4-FFF2-40B4-BE49-F238E27FC236}">
-                <a16:creationId xmlns:a16="http://schemas.microsoft.com/office/drawing/2014/main" id="{2D460C5E-24B9-45D4-B221-246D1E8C26DA}"/>
-              </a:ext>
-            </a:extLst>
-          </p:cNvPr>
+          <p:cNvPr id="35" name="TextBox 34"/>
           <p:cNvSpPr txBox="1"/>
           <p:nvPr/>
         </p:nvSpPr>
@@ -12723,21 +12647,23 @@
           <a:noFill/>
         </p:spPr>
         <p:txBody>
-          <a:bodyPr wrap="square" rtlCol="0">
+          <a:bodyPr wrap="square">
             <a:spAutoFit/>
           </a:bodyPr>
           <a:lstStyle/>
           <a:p>
-            <a:pPr algn="ctr"/>
-            <a:r>
-              <a:rPr lang="en-US" altLang="ko-KR" sz="3200" b="1" dirty="0">
+            <a:pPr algn="ctr">
+              <a:defRPr/>
+            </a:pPr>
+            <a:r>
+              <a:rPr lang="en-US" altLang="ko-KR" sz="3200" b="1">
                 <a:solidFill>
                   <a:schemeClr val="bg1"/>
                 </a:solidFill>
               </a:rPr>
               <a:t>1</a:t>
             </a:r>
-            <a:endParaRPr lang="ko-KR" altLang="en-US" sz="3200" b="1" dirty="0">
+            <a:endParaRPr lang="ko-KR" altLang="en-US" sz="3200" b="1">
               <a:solidFill>
                 <a:schemeClr val="bg1"/>
               </a:solidFill>
@@ -12747,13 +12673,7 @@
       </p:sp>
       <p:sp>
         <p:nvSpPr>
-          <p:cNvPr id="34" name="직사각형 33">
-            <a:extLst>
-              <a:ext uri="{FF2B5EF4-FFF2-40B4-BE49-F238E27FC236}">
-                <a16:creationId xmlns:a16="http://schemas.microsoft.com/office/drawing/2014/main" id="{441A9FE5-D38B-4256-88B7-284F48A01C2D}"/>
-              </a:ext>
-            </a:extLst>
-          </p:cNvPr>
+          <p:cNvPr id="34" name="직사각형 33"/>
           <p:cNvSpPr/>
           <p:nvPr/>
         </p:nvSpPr>
@@ -12789,7 +12709,7 @@
           </a:fontRef>
         </p:style>
         <p:txBody>
-          <a:bodyPr rot="0" spcFirstLastPara="0" vertOverflow="overflow" horzOverflow="overflow" vert="horz" wrap="square" lIns="91440" tIns="45720" rIns="91440" bIns="45720" numCol="1" spcCol="0" rtlCol="0" fromWordArt="0" anchor="ctr" anchorCtr="0" forceAA="0" compatLnSpc="1">
+          <a:bodyPr rot="0" vert="horz" wrap="square" lIns="91440" tIns="45720" rIns="91440" bIns="45720" anchor="ctr" anchorCtr="0">
             <a:prstTxWarp prst="textNoShape">
               <a:avLst/>
             </a:prstTxWarp>
@@ -12797,20 +12717,16 @@
           </a:bodyPr>
           <a:lstStyle/>
           <a:p>
-            <a:pPr algn="ctr"/>
+            <a:pPr algn="ctr">
+              <a:defRPr/>
+            </a:pPr>
             <a:endParaRPr lang="ko-KR" altLang="en-US"/>
           </a:p>
         </p:txBody>
       </p:sp>
       <p:sp>
         <p:nvSpPr>
-          <p:cNvPr id="37" name="TextBox 36">
-            <a:extLst>
-              <a:ext uri="{FF2B5EF4-FFF2-40B4-BE49-F238E27FC236}">
-                <a16:creationId xmlns:a16="http://schemas.microsoft.com/office/drawing/2014/main" id="{0C7BE8D9-9715-4A04-A408-0CB3C1CD87FD}"/>
-              </a:ext>
-            </a:extLst>
-          </p:cNvPr>
+          <p:cNvPr id="37" name="TextBox 36"/>
           <p:cNvSpPr txBox="1"/>
           <p:nvPr/>
         </p:nvSpPr>
@@ -12825,21 +12741,23 @@
           <a:noFill/>
         </p:spPr>
         <p:txBody>
-          <a:bodyPr wrap="square" rtlCol="0">
+          <a:bodyPr wrap="square">
             <a:spAutoFit/>
           </a:bodyPr>
           <a:lstStyle/>
           <a:p>
-            <a:pPr algn="ctr"/>
-            <a:r>
-              <a:rPr lang="en-US" altLang="ko-KR" sz="3200" b="1" dirty="0">
+            <a:pPr algn="ctr">
+              <a:defRPr/>
+            </a:pPr>
+            <a:r>
+              <a:rPr lang="en-US" altLang="ko-KR" sz="3200" b="1">
                 <a:solidFill>
                   <a:schemeClr val="bg1"/>
                 </a:solidFill>
               </a:rPr>
               <a:t>1</a:t>
             </a:r>
-            <a:endParaRPr lang="ko-KR" altLang="en-US" sz="3200" b="1" dirty="0">
+            <a:endParaRPr lang="ko-KR" altLang="en-US" sz="3200" b="1">
               <a:solidFill>
                 <a:schemeClr val="bg1"/>
               </a:solidFill>
@@ -12849,26 +12767,14 @@
       </p:sp>
       <p:pic>
         <p:nvPicPr>
-          <p:cNvPr id="4" name="그림 3">
-            <a:extLst>
-              <a:ext uri="{FF2B5EF4-FFF2-40B4-BE49-F238E27FC236}">
-                <a16:creationId xmlns:a16="http://schemas.microsoft.com/office/drawing/2014/main" id="{568ED12D-5186-7C96-FEDA-6508DE4A5E59}"/>
-              </a:ext>
-            </a:extLst>
-          </p:cNvPr>
+          <p:cNvPr id="4" name="그림 3"/>
           <p:cNvPicPr>
             <a:picLocks noChangeAspect="1"/>
           </p:cNvPicPr>
           <p:nvPr/>
         </p:nvPicPr>
-        <p:blipFill>
-          <a:blip r:embed="rId2">
-            <a:extLst>
-              <a:ext uri="{28A0092B-C50C-407E-A947-70E740481C1C}">
-                <a14:useLocalDpi xmlns:a14="http://schemas.microsoft.com/office/drawing/2010/main" val="0"/>
-              </a:ext>
-            </a:extLst>
-          </a:blip>
+        <p:blipFill rotWithShape="1">
+          <a:blip r:embed="rId2"/>
           <a:stretch>
             <a:fillRect/>
           </a:stretch>
@@ -12885,26 +12791,14 @@
       </p:pic>
       <p:pic>
         <p:nvPicPr>
-          <p:cNvPr id="7" name="그림 6">
-            <a:extLst>
-              <a:ext uri="{FF2B5EF4-FFF2-40B4-BE49-F238E27FC236}">
-                <a16:creationId xmlns:a16="http://schemas.microsoft.com/office/drawing/2014/main" id="{B363B4A8-CFC3-E583-02B3-CE6A0C0E46F2}"/>
-              </a:ext>
-            </a:extLst>
-          </p:cNvPr>
+          <p:cNvPr id="7" name="그림 6"/>
           <p:cNvPicPr>
             <a:picLocks noChangeAspect="1"/>
           </p:cNvPicPr>
           <p:nvPr/>
         </p:nvPicPr>
-        <p:blipFill>
-          <a:blip r:embed="rId3">
-            <a:extLst>
-              <a:ext uri="{28A0092B-C50C-407E-A947-70E740481C1C}">
-                <a14:useLocalDpi xmlns:a14="http://schemas.microsoft.com/office/drawing/2010/main" val="0"/>
-              </a:ext>
-            </a:extLst>
-          </a:blip>
+        <p:blipFill rotWithShape="1">
+          <a:blip r:embed="rId3"/>
           <a:stretch>
             <a:fillRect/>
           </a:stretch>
@@ -12920,15 +12814,18 @@
         </p:spPr>
       </p:pic>
     </p:spTree>
-    <p:extLst>
-      <p:ext uri="{BB962C8B-B14F-4D97-AF65-F5344CB8AC3E}">
-        <p14:creationId xmlns:p14="http://schemas.microsoft.com/office/powerpoint/2010/main" val="49076151"/>
-      </p:ext>
-    </p:extLst>
   </p:cSld>
   <p:clrMapOvr>
     <a:masterClrMapping/>
   </p:clrMapOvr>
+  <mc:AlternateContent xmlns:mc="http://schemas.openxmlformats.org/markup-compatibility/2006">
+    <mc:Choice xmlns:p14="http://schemas.microsoft.com/office/powerpoint/2010/main" Requires="p14">
+      <p:transition xmlns:mc="http://schemas.openxmlformats.org/markup-compatibility/2006" xmlns:p14="http://schemas.microsoft.com/office/powerpoint/2010/main" mc:Ignorable="p14" p14:dur="500"/>
+    </mc:Choice>
+    <mc:Fallback>
+      <p:transition/>
+    </mc:Fallback>
+  </mc:AlternateContent>
 </p:sld>
 </file>
 
@@ -17911,7 +17808,7 @@
 </file>
 
 <file path=ppt/slides/slide4.xml><?xml version="1.0" encoding="utf-8"?>
-<p:sld xmlns:a="http://schemas.openxmlformats.org/drawingml/2006/main" xmlns:r="http://schemas.openxmlformats.org/officeDocument/2006/relationships" xmlns:p="http://schemas.openxmlformats.org/presentationml/2006/main">
+<p:sld xmlns:r="http://schemas.openxmlformats.org/officeDocument/2006/relationships" xmlns:c="http://schemas.openxmlformats.org/drawingml/2006/chart" xmlns:a="http://schemas.openxmlformats.org/drawingml/2006/main" xmlns:dgm="http://schemas.openxmlformats.org/drawingml/2006/diagram" xmlns:dsp="http://schemas.microsoft.com/office/drawing/2008/diagram" xmlns:p="http://schemas.openxmlformats.org/presentationml/2006/main">
   <p:cSld>
     <p:spTree>
       <p:nvGrpSpPr>
@@ -17929,16 +17826,8 @@
       </p:grpSpPr>
       <p:cxnSp>
         <p:nvCxnSpPr>
-          <p:cNvPr id="3" name="Straight Connector 8">
-            <a:extLst>
-              <a:ext uri="{FF2B5EF4-FFF2-40B4-BE49-F238E27FC236}">
-                <a16:creationId xmlns:a16="http://schemas.microsoft.com/office/drawing/2014/main" id="{68A37F9C-7930-4A83-AEE4-AF99D3A09DDF}"/>
-              </a:ext>
-            </a:extLst>
-          </p:cNvPr>
-          <p:cNvCxnSpPr>
-            <a:cxnSpLocks/>
-          </p:cNvCxnSpPr>
+          <p:cNvPr id="3" name="Straight Connector 8"/>
+          <p:cNvCxnSpPr/>
           <p:nvPr/>
         </p:nvCxnSpPr>
         <p:spPr>
@@ -17968,13 +17857,7 @@
       </p:cxnSp>
       <p:sp>
         <p:nvSpPr>
-          <p:cNvPr id="4" name="TextBox 3">
-            <a:extLst>
-              <a:ext uri="{FF2B5EF4-FFF2-40B4-BE49-F238E27FC236}">
-                <a16:creationId xmlns:a16="http://schemas.microsoft.com/office/drawing/2014/main" id="{AAC8E277-7EC8-48D0-B3DC-5A8887885686}"/>
-              </a:ext>
-            </a:extLst>
-          </p:cNvPr>
+          <p:cNvPr id="4" name="TextBox 3"/>
           <p:cNvSpPr txBox="1"/>
           <p:nvPr/>
         </p:nvSpPr>
@@ -17989,21 +17872,23 @@
           <a:noFill/>
         </p:spPr>
         <p:txBody>
-          <a:bodyPr wrap="square" rtlCol="0">
+          <a:bodyPr wrap="square">
             <a:spAutoFit/>
           </a:bodyPr>
           <a:lstStyle/>
           <a:p>
-            <a:pPr algn="ctr"/>
-            <a:r>
-              <a:rPr lang="en-US" altLang="ko-KR" sz="3200" b="1" dirty="0">
+            <a:pPr algn="ctr">
+              <a:defRPr/>
+            </a:pPr>
+            <a:r>
+              <a:rPr lang="en-US" altLang="ko-KR" sz="3200" b="1">
                 <a:solidFill>
                   <a:schemeClr val="bg1"/>
                 </a:solidFill>
               </a:rPr>
               <a:t>1</a:t>
             </a:r>
-            <a:endParaRPr lang="ko-KR" altLang="en-US" sz="3200" b="1" dirty="0">
+            <a:endParaRPr lang="ko-KR" altLang="en-US" sz="3200" b="1">
               <a:solidFill>
                 <a:schemeClr val="bg1"/>
               </a:solidFill>
@@ -18013,13 +17898,7 @@
       </p:sp>
       <p:sp>
         <p:nvSpPr>
-          <p:cNvPr id="5" name="직사각형 4" descr="ㅇ">
-            <a:extLst>
-              <a:ext uri="{FF2B5EF4-FFF2-40B4-BE49-F238E27FC236}">
-                <a16:creationId xmlns:a16="http://schemas.microsoft.com/office/drawing/2014/main" id="{4F91F724-BB23-491A-B851-14FC69B37626}"/>
-              </a:ext>
-            </a:extLst>
-          </p:cNvPr>
+          <p:cNvPr id="5" name="직사각형 4" descr="ㅇ"/>
           <p:cNvSpPr/>
           <p:nvPr/>
         </p:nvSpPr>
@@ -18055,7 +17934,7 @@
           </a:fontRef>
         </p:style>
         <p:txBody>
-          <a:bodyPr rot="0" spcFirstLastPara="0" vertOverflow="overflow" horzOverflow="overflow" vert="horz" wrap="square" lIns="91440" tIns="45720" rIns="91440" bIns="45720" numCol="1" spcCol="0" rtlCol="0" fromWordArt="0" anchor="ctr" anchorCtr="0" forceAA="0" compatLnSpc="1">
+          <a:bodyPr rot="0" vert="horz" wrap="square" lIns="91440" tIns="45720" rIns="91440" bIns="45720" anchor="ctr" anchorCtr="0">
             <a:prstTxWarp prst="textNoShape">
               <a:avLst/>
             </a:prstTxWarp>
@@ -18063,20 +17942,16 @@
           </a:bodyPr>
           <a:lstStyle/>
           <a:p>
-            <a:pPr algn="ctr"/>
-            <a:endParaRPr lang="ko-KR" altLang="en-US" dirty="0"/>
-          </a:p>
-        </p:txBody>
-      </p:sp>
-      <p:sp>
-        <p:nvSpPr>
-          <p:cNvPr id="6" name="TextBox 5">
-            <a:extLst>
-              <a:ext uri="{FF2B5EF4-FFF2-40B4-BE49-F238E27FC236}">
-                <a16:creationId xmlns:a16="http://schemas.microsoft.com/office/drawing/2014/main" id="{F90681B9-4336-4865-94BC-73A1AC3724AC}"/>
-              </a:ext>
-            </a:extLst>
-          </p:cNvPr>
+            <a:pPr algn="ctr">
+              <a:defRPr/>
+            </a:pPr>
+            <a:endParaRPr lang="ko-KR" altLang="en-US"/>
+          </a:p>
+        </p:txBody>
+      </p:sp>
+      <p:sp>
+        <p:nvSpPr>
+          <p:cNvPr id="6" name="TextBox 5"/>
           <p:cNvSpPr txBox="1"/>
           <p:nvPr/>
         </p:nvSpPr>
@@ -18091,21 +17966,23 @@
           <a:noFill/>
         </p:spPr>
         <p:txBody>
-          <a:bodyPr wrap="square" rtlCol="0">
+          <a:bodyPr wrap="square">
             <a:spAutoFit/>
           </a:bodyPr>
           <a:lstStyle/>
           <a:p>
-            <a:pPr algn="ctr"/>
-            <a:r>
-              <a:rPr lang="en-US" altLang="ko-KR" sz="3200" b="1" dirty="0">
+            <a:pPr algn="ctr">
+              <a:defRPr/>
+            </a:pPr>
+            <a:r>
+              <a:rPr lang="en-US" altLang="ko-KR" sz="3200" b="1">
                 <a:solidFill>
                   <a:schemeClr val="bg1"/>
                 </a:solidFill>
               </a:rPr>
               <a:t>2</a:t>
             </a:r>
-            <a:endParaRPr lang="ko-KR" altLang="en-US" sz="3200" b="1" dirty="0">
+            <a:endParaRPr lang="ko-KR" altLang="en-US" sz="3200" b="1">
               <a:solidFill>
                 <a:schemeClr val="bg1"/>
               </a:solidFill>
@@ -18115,13 +17992,7 @@
       </p:sp>
       <p:sp>
         <p:nvSpPr>
-          <p:cNvPr id="7" name="TextBox 6">
-            <a:extLst>
-              <a:ext uri="{FF2B5EF4-FFF2-40B4-BE49-F238E27FC236}">
-                <a16:creationId xmlns:a16="http://schemas.microsoft.com/office/drawing/2014/main" id="{A47BFD4E-9212-47DD-82EC-36F24D21C23B}"/>
-              </a:ext>
-            </a:extLst>
-          </p:cNvPr>
+          <p:cNvPr id="7" name="TextBox 6"/>
           <p:cNvSpPr txBox="1"/>
           <p:nvPr/>
         </p:nvSpPr>
@@ -18136,46 +18007,42 @@
           <a:noFill/>
         </p:spPr>
         <p:txBody>
-          <a:bodyPr wrap="square" rtlCol="0" anchor="ctr">
+          <a:bodyPr wrap="square" anchor="ctr">
             <a:spAutoFit/>
           </a:bodyPr>
           <a:lstStyle/>
           <a:p>
-            <a:pPr algn="ctr"/>
-            <a:r>
-              <a:rPr lang="ko-KR" altLang="en-US" sz="2600" b="1" dirty="0">
+            <a:pPr algn="ctr">
+              <a:defRPr/>
+            </a:pPr>
+            <a:r>
+              <a:rPr lang="ko-KR" altLang="en-US" sz="2600" b="1">
                 <a:solidFill>
                   <a:schemeClr val="accent1"/>
                 </a:solidFill>
-                <a:latin typeface="Noto Sans CJK KR Medium" panose="020B0600000000000000" pitchFamily="34" charset="-127"/>
+                <a:latin typeface="Noto Sans CJK KR Medium"/>
               </a:rPr>
               <a:t>     개발 환경</a:t>
             </a:r>
-            <a:endParaRPr lang="en-US" sz="2600" b="1" dirty="0">
+            <a:endParaRPr lang="en-US" sz="2600" b="1">
               <a:solidFill>
                 <a:schemeClr val="accent1"/>
               </a:solidFill>
-              <a:latin typeface="Noto Sans CJK KR Medium" panose="020B0600000000000000" pitchFamily="34" charset="-127"/>
+              <a:latin typeface="Noto Sans CJK KR Medium"/>
             </a:endParaRPr>
           </a:p>
         </p:txBody>
       </p:sp>
       <p:sp>
         <p:nvSpPr>
-          <p:cNvPr id="8" name="TextBox 7">
-            <a:extLst>
-              <a:ext uri="{FF2B5EF4-FFF2-40B4-BE49-F238E27FC236}">
-                <a16:creationId xmlns:a16="http://schemas.microsoft.com/office/drawing/2014/main" id="{7B0C58F1-56F9-4C13-9EDE-71920842D033}"/>
-              </a:ext>
-            </a:extLst>
-          </p:cNvPr>
+          <p:cNvPr id="8" name="TextBox 7"/>
           <p:cNvSpPr txBox="1"/>
           <p:nvPr/>
         </p:nvSpPr>
         <p:spPr>
           <a:xfrm>
-            <a:off x="979789" y="1515980"/>
-            <a:ext cx="11310800" cy="2246769"/>
+            <a:off x="881200" y="1213085"/>
+            <a:ext cx="11310800" cy="2833135"/>
           </a:xfrm>
           <a:prstGeom prst="rect">
             <a:avLst/>
@@ -18183,184 +18050,229 @@
           <a:noFill/>
         </p:spPr>
         <p:txBody>
-          <a:bodyPr wrap="square" rtlCol="0">
+          <a:bodyPr wrap="square">
             <a:spAutoFit/>
           </a:bodyPr>
           <a:lstStyle/>
           <a:p>
-            <a:r>
-              <a:rPr lang="ko-KR" altLang="en-US" sz="2000" dirty="0">
+            <a:pPr lvl="0">
+              <a:defRPr/>
+            </a:pPr>
+            <a:r>
+              <a:rPr lang="ko-KR" altLang="en-US" sz="2000">
                 <a:latin typeface="+mj-ea"/>
                 <a:ea typeface="+mj-ea"/>
               </a:rPr>
               <a:t>● </a:t>
             </a:r>
             <a:r>
-              <a:rPr lang="en-US" altLang="ko-KR" sz="2000" dirty="0" err="1">
+              <a:rPr lang="en-US" altLang="ko-KR" sz="2000">
                 <a:latin typeface="+mj-ea"/>
                 <a:ea typeface="+mj-ea"/>
               </a:rPr>
-              <a:t>MicroSoft</a:t>
-            </a:r>
-            <a:r>
-              <a:rPr lang="en-US" altLang="ko-KR" sz="2000" dirty="0">
+              <a:t>MicroSoft Visual Studio 2019</a:t>
+            </a:r>
+            <a:r>
+              <a:rPr lang="ko-KR" altLang="en-US" sz="2000">
                 <a:latin typeface="+mj-ea"/>
                 <a:ea typeface="+mj-ea"/>
               </a:rPr>
-              <a:t> Visual Studio 2019</a:t>
-            </a:r>
-            <a:r>
-              <a:rPr lang="ko-KR" altLang="en-US" sz="2000" dirty="0">
-                <a:latin typeface="+mj-ea"/>
-                <a:ea typeface="+mj-ea"/>
-              </a:rPr>
               <a:t>를 사용하여 개발</a:t>
             </a:r>
-            <a:endParaRPr lang="en-US" altLang="ko-KR" sz="2000" dirty="0">
+            <a:endParaRPr lang="ko-KR" altLang="en-US" sz="2000">
               <a:latin typeface="+mj-ea"/>
               <a:ea typeface="+mj-ea"/>
             </a:endParaRPr>
           </a:p>
           <a:p>
-            <a:endParaRPr lang="en-US" altLang="ko-KR" sz="2000" dirty="0">
+            <a:pPr lvl="0">
+              <a:defRPr/>
+            </a:pPr>
+            <a:endParaRPr lang="en-US" altLang="ko-KR" sz="2000">
               <a:latin typeface="+mj-ea"/>
               <a:ea typeface="+mj-ea"/>
             </a:endParaRPr>
           </a:p>
           <a:p>
-            <a:r>
-              <a:rPr lang="ko-KR" altLang="en-US" sz="2000" dirty="0">
+            <a:pPr lvl="0">
+              <a:defRPr/>
+            </a:pPr>
+            <a:r>
+              <a:rPr lang="ko-KR" altLang="en-US" sz="2000">
                 <a:latin typeface="+mj-ea"/>
                 <a:ea typeface="+mj-ea"/>
               </a:rPr>
               <a:t>● </a:t>
             </a:r>
             <a:r>
-              <a:rPr lang="en-US" altLang="ko-KR" sz="2000" dirty="0">
+              <a:rPr lang="en-US" altLang="ko-KR" sz="2000">
                 <a:latin typeface="+mj-ea"/>
                 <a:ea typeface="+mj-ea"/>
               </a:rPr>
               <a:t>C#</a:t>
             </a:r>
             <a:r>
-              <a:rPr lang="ko-KR" altLang="en-US" sz="2000" dirty="0">
+              <a:rPr lang="ko-KR" altLang="en-US" sz="2000">
                 <a:latin typeface="+mj-ea"/>
                 <a:ea typeface="+mj-ea"/>
               </a:rPr>
               <a:t>을 사용하여 코드 작성</a:t>
             </a:r>
-            <a:endParaRPr lang="en-US" altLang="ko-KR" sz="2000" dirty="0">
+            <a:endParaRPr lang="ko-KR" altLang="en-US" sz="2000">
               <a:latin typeface="+mj-ea"/>
               <a:ea typeface="+mj-ea"/>
             </a:endParaRPr>
           </a:p>
           <a:p>
-            <a:endParaRPr lang="en-US" altLang="ko-KR" sz="2000" dirty="0">
+            <a:pPr lvl="0">
+              <a:defRPr/>
+            </a:pPr>
+            <a:endParaRPr lang="en-US" altLang="ko-KR" sz="2000">
               <a:latin typeface="+mj-ea"/>
               <a:ea typeface="+mj-ea"/>
             </a:endParaRPr>
           </a:p>
           <a:p>
-            <a:r>
-              <a:rPr lang="ko-KR" altLang="en-US" sz="2000" dirty="0">
+            <a:pPr lvl="0">
+              <a:defRPr/>
+            </a:pPr>
+            <a:r>
+              <a:rPr lang="ko-KR" altLang="en-US" sz="2000">
                 <a:latin typeface="+mj-ea"/>
                 <a:ea typeface="+mj-ea"/>
               </a:rPr>
-              <a:t>●  </a:t>
-            </a:r>
-            <a:r>
-              <a:rPr lang="en-US" altLang="ko-KR" sz="2000" dirty="0">
+              <a:t>● </a:t>
+            </a:r>
+            <a:r>
+              <a:rPr lang="en-US" altLang="ko-KR" sz="2000">
                 <a:latin typeface="+mj-ea"/>
                 <a:ea typeface="+mj-ea"/>
               </a:rPr>
               <a:t>MySQL</a:t>
             </a:r>
             <a:r>
-              <a:rPr lang="ko-KR" altLang="en-US" sz="2000" dirty="0">
+              <a:rPr lang="ko-KR" altLang="en-US" sz="2000">
                 <a:latin typeface="+mj-ea"/>
                 <a:ea typeface="+mj-ea"/>
               </a:rPr>
               <a:t>을 사용하여 </a:t>
             </a:r>
             <a:r>
-              <a:rPr lang="en-US" altLang="ko-KR" sz="2000" dirty="0">
+              <a:rPr lang="en-US" altLang="ko-KR" sz="2000">
                 <a:latin typeface="+mj-ea"/>
                 <a:ea typeface="+mj-ea"/>
               </a:rPr>
               <a:t>DB</a:t>
             </a:r>
             <a:r>
-              <a:rPr lang="ko-KR" altLang="en-US" sz="2000" dirty="0">
+              <a:rPr lang="ko-KR" altLang="en-US" sz="2000">
                 <a:latin typeface="+mj-ea"/>
                 <a:ea typeface="+mj-ea"/>
               </a:rPr>
               <a:t>구축</a:t>
             </a:r>
-            <a:endParaRPr lang="en-US" altLang="ko-KR" sz="2000" dirty="0">
+            <a:endParaRPr lang="ko-KR" altLang="en-US" sz="2000">
               <a:latin typeface="+mj-ea"/>
               <a:ea typeface="+mj-ea"/>
             </a:endParaRPr>
           </a:p>
           <a:p>
-            <a:endParaRPr lang="en-US" altLang="ko-KR" sz="2000" dirty="0">
+            <a:pPr lvl="0">
+              <a:defRPr/>
+            </a:pPr>
+            <a:endParaRPr lang="ko-KR" altLang="en-US" sz="2000">
               <a:latin typeface="+mj-ea"/>
               <a:ea typeface="+mj-ea"/>
             </a:endParaRPr>
           </a:p>
           <a:p>
-            <a:r>
-              <a:rPr lang="ko-KR" altLang="en-US" sz="2000" dirty="0">
+            <a:pPr lvl="0">
+              <a:defRPr/>
+            </a:pPr>
+            <a:r>
+              <a:rPr lang="ko-KR" altLang="en-US" sz="2000">
                 <a:latin typeface="+mj-ea"/>
                 <a:ea typeface="+mj-ea"/>
               </a:rPr>
-              <a:t>● </a:t>
-            </a:r>
-            <a:r>
-              <a:rPr lang="en-US" altLang="ko-KR" sz="2000" dirty="0">
+              <a:t>● 윈도우 폼</a:t>
+            </a:r>
+            <a:r>
+              <a:rPr lang="en-US" altLang="ko-KR" sz="2000">
                 <a:latin typeface="+mj-ea"/>
                 <a:ea typeface="+mj-ea"/>
               </a:rPr>
-              <a:t>.NET Framework 4.7.2 </a:t>
-            </a:r>
-            <a:r>
-              <a:rPr lang="ko-KR" altLang="en-US" sz="2000" dirty="0">
+              <a:t>(Window Form)</a:t>
+            </a:r>
+            <a:r>
+              <a:rPr lang="ko-KR" altLang="en-US" sz="2000">
                 <a:latin typeface="+mj-ea"/>
                 <a:ea typeface="+mj-ea"/>
               </a:rPr>
+              <a:t>을 사용</a:t>
+            </a:r>
+            <a:endParaRPr lang="en-US" altLang="ko-KR" sz="2000">
+              <a:latin typeface="+mj-ea"/>
+              <a:ea typeface="+mj-ea"/>
+            </a:endParaRPr>
+          </a:p>
+          <a:p>
+            <a:pPr lvl="0">
+              <a:defRPr/>
+            </a:pPr>
+            <a:endParaRPr lang="en-US" altLang="ko-KR" sz="2000">
+              <a:latin typeface="+mj-ea"/>
+              <a:ea typeface="+mj-ea"/>
+            </a:endParaRPr>
+          </a:p>
+          <a:p>
+            <a:pPr lvl="0">
+              <a:defRPr/>
+            </a:pPr>
+            <a:r>
+              <a:rPr lang="ko-KR" altLang="en-US" sz="2000">
+                <a:latin typeface="+mj-ea"/>
+                <a:ea typeface="+mj-ea"/>
+              </a:rPr>
+              <a:t>● </a:t>
+            </a:r>
+            <a:r>
+              <a:rPr lang="en-US" altLang="ko-KR" sz="2000">
+                <a:latin typeface="+mj-ea"/>
+                <a:ea typeface="+mj-ea"/>
+              </a:rPr>
+              <a:t>.NET Framework 4.7.2 </a:t>
+            </a:r>
+            <a:r>
+              <a:rPr lang="ko-KR" altLang="en-US" sz="2000">
+                <a:latin typeface="+mj-ea"/>
+                <a:ea typeface="+mj-ea"/>
+              </a:rPr>
               <a:t>사용</a:t>
             </a:r>
+            <a:endParaRPr lang="ko-KR" altLang="en-US" sz="2000">
+              <a:latin typeface="+mj-ea"/>
+              <a:ea typeface="+mj-ea"/>
+            </a:endParaRPr>
           </a:p>
         </p:txBody>
       </p:sp>
       <p:pic>
         <p:nvPicPr>
-          <p:cNvPr id="10" name="그림 9">
-            <a:extLst>
-              <a:ext uri="{FF2B5EF4-FFF2-40B4-BE49-F238E27FC236}">
-                <a16:creationId xmlns:a16="http://schemas.microsoft.com/office/drawing/2014/main" id="{39B4BD0A-99EE-4824-8C4D-531A92AAA3D4}"/>
-              </a:ext>
-            </a:extLst>
-          </p:cNvPr>
+          <p:cNvPr id="10" name="그림 9"/>
           <p:cNvPicPr>
             <a:picLocks noChangeAspect="1"/>
           </p:cNvPicPr>
           <p:nvPr/>
         </p:nvPicPr>
-        <p:blipFill>
-          <a:blip r:embed="rId2">
-            <a:extLst>
-              <a:ext uri="{28A0092B-C50C-407E-A947-70E740481C1C}">
-                <a14:useLocalDpi xmlns:a14="http://schemas.microsoft.com/office/drawing/2010/main" val="0"/>
-              </a:ext>
-            </a:extLst>
-          </a:blip>
+        <p:blipFill rotWithShape="1">
+          <a:blip r:embed="rId2"/>
           <a:stretch>
             <a:fillRect/>
           </a:stretch>
         </p:blipFill>
         <p:spPr>
           <a:xfrm>
-            <a:off x="1255669" y="3874633"/>
+            <a:off x="1103268" y="4255632"/>
             <a:ext cx="2319093" cy="2319093"/>
           </a:xfrm>
           <a:prstGeom prst="rect">
@@ -18370,33 +18282,21 @@
       </p:pic>
       <p:pic>
         <p:nvPicPr>
-          <p:cNvPr id="12" name="그림 11">
-            <a:extLst>
-              <a:ext uri="{FF2B5EF4-FFF2-40B4-BE49-F238E27FC236}">
-                <a16:creationId xmlns:a16="http://schemas.microsoft.com/office/drawing/2014/main" id="{5A77437C-B0C0-4922-9DC8-501B92B7B169}"/>
-              </a:ext>
-            </a:extLst>
-          </p:cNvPr>
+          <p:cNvPr id="12" name="그림 11"/>
           <p:cNvPicPr>
             <a:picLocks noChangeAspect="1"/>
           </p:cNvPicPr>
           <p:nvPr/>
         </p:nvPicPr>
-        <p:blipFill>
-          <a:blip r:embed="rId3">
-            <a:extLst>
-              <a:ext uri="{28A0092B-C50C-407E-A947-70E740481C1C}">
-                <a14:useLocalDpi xmlns:a14="http://schemas.microsoft.com/office/drawing/2010/main" val="0"/>
-              </a:ext>
-            </a:extLst>
-          </a:blip>
+        <p:blipFill rotWithShape="1">
+          <a:blip r:embed="rId3"/>
           <a:stretch>
             <a:fillRect/>
           </a:stretch>
         </p:blipFill>
         <p:spPr>
           <a:xfrm>
-            <a:off x="4399980" y="4043088"/>
+            <a:off x="4374580" y="4525688"/>
             <a:ext cx="2619375" cy="1743075"/>
           </a:xfrm>
           <a:prstGeom prst="rect">
@@ -18406,33 +18306,21 @@
       </p:pic>
       <p:pic>
         <p:nvPicPr>
-          <p:cNvPr id="9" name="그림 8">
-            <a:extLst>
-              <a:ext uri="{FF2B5EF4-FFF2-40B4-BE49-F238E27FC236}">
-                <a16:creationId xmlns:a16="http://schemas.microsoft.com/office/drawing/2014/main" id="{E36DC6D1-3A05-2B4D-CC04-C38F34921548}"/>
-              </a:ext>
-            </a:extLst>
-          </p:cNvPr>
+          <p:cNvPr id="9" name="그림 8"/>
           <p:cNvPicPr>
             <a:picLocks noChangeAspect="1"/>
           </p:cNvPicPr>
           <p:nvPr/>
         </p:nvPicPr>
-        <p:blipFill>
-          <a:blip r:embed="rId4">
-            <a:extLst>
-              <a:ext uri="{28A0092B-C50C-407E-A947-70E740481C1C}">
-                <a14:useLocalDpi xmlns:a14="http://schemas.microsoft.com/office/drawing/2010/main" val="0"/>
-              </a:ext>
-            </a:extLst>
-          </a:blip>
+        <p:blipFill rotWithShape="1">
+          <a:blip r:embed="rId4"/>
           <a:stretch>
             <a:fillRect/>
           </a:stretch>
         </p:blipFill>
         <p:spPr>
           <a:xfrm>
-            <a:off x="8120453" y="3747409"/>
+            <a:off x="8120453" y="4077609"/>
             <a:ext cx="2319093" cy="2319093"/>
           </a:xfrm>
           <a:prstGeom prst="rect">
@@ -18441,15 +18329,18 @@
         </p:spPr>
       </p:pic>
     </p:spTree>
-    <p:extLst>
-      <p:ext uri="{BB962C8B-B14F-4D97-AF65-F5344CB8AC3E}">
-        <p14:creationId xmlns:p14="http://schemas.microsoft.com/office/powerpoint/2010/main" val="2090863330"/>
-      </p:ext>
-    </p:extLst>
   </p:cSld>
   <p:clrMapOvr>
     <a:masterClrMapping/>
   </p:clrMapOvr>
+  <mc:AlternateContent xmlns:mc="http://schemas.openxmlformats.org/markup-compatibility/2006">
+    <mc:Choice xmlns:p14="http://schemas.microsoft.com/office/powerpoint/2010/main" Requires="p14">
+      <p:transition xmlns:mc="http://schemas.openxmlformats.org/markup-compatibility/2006" xmlns:p14="http://schemas.microsoft.com/office/powerpoint/2010/main" mc:Ignorable="p14" p14:dur="500"/>
+    </mc:Choice>
+    <mc:Fallback>
+      <p:transition/>
+    </mc:Fallback>
+  </mc:AlternateContent>
 </p:sld>
 </file>
 
